--- a/PPT/Deep learning-based classification.pptx
+++ b/PPT/Deep learning-based classification.pptx
@@ -308,7 +308,7 @@
               <a:pPr>
                 <a:defRPr/>
               </a:pPr>
-              <a:t>2022/7/26</a:t>
+              <a:t>2022/7/29</a:t>
             </a:fld>
             <a:endParaRPr lang="en-US" altLang="zh-CN"/>
           </a:p>
@@ -526,7 +526,7 @@
               <a:pPr>
                 <a:defRPr/>
               </a:pPr>
-              <a:t>2022/7/26</a:t>
+              <a:t>2022/7/29</a:t>
             </a:fld>
             <a:endParaRPr lang="zh-CN" altLang="en-US"/>
           </a:p>
@@ -1069,6 +1069,21 @@
           <a:bodyPr/>
           <a:lstStyle/>
           <a:p>
+            <a:r>
+              <a:rPr lang="zh-CN" altLang="en-US" dirty="0"/>
+              <a:t>由于三种</a:t>
+            </a:r>
+            <a:r>
+              <a:rPr lang="en-US" altLang="zh-CN" dirty="0"/>
+              <a:t>MM</a:t>
+            </a:r>
+            <a:r>
+              <a:rPr lang="zh-CN" altLang="en-US" dirty="0"/>
+              <a:t>的生存期各不相同，因此进行分类有助于医疗方案的确定</a:t>
+            </a:r>
+            <a:endParaRPr lang="en-US" altLang="zh-CN" dirty="0"/>
+          </a:p>
+          <a:p>
             <a:endParaRPr lang="zh-CN" altLang="en-US" dirty="0"/>
           </a:p>
         </p:txBody>
@@ -1159,7 +1174,298 @@
           <a:bodyPr/>
           <a:lstStyle/>
           <a:p>
-            <a:endParaRPr lang="zh-CN" altLang="en-US" dirty="0"/>
+            <a:pPr marL="228600" indent="-228600">
+              <a:buAutoNum type="arabicPeriod"/>
+            </a:pPr>
+            <a:r>
+              <a:rPr lang="zh-CN" altLang="en-US" dirty="0"/>
+              <a:t>使用</a:t>
+            </a:r>
+            <a:r>
+              <a:rPr lang="en-US" altLang="zh-CN" dirty="0"/>
+              <a:t>U-Net</a:t>
+            </a:r>
+            <a:r>
+              <a:rPr lang="zh-CN" altLang="en-US" dirty="0"/>
+              <a:t>作为将图像识别为前景（包括物质）和后景</a:t>
+            </a:r>
+            <a:endParaRPr lang="en-US" altLang="zh-CN" dirty="0"/>
+          </a:p>
+          <a:p>
+            <a:pPr marL="228600" indent="-228600">
+              <a:buAutoNum type="arabicPeriod"/>
+            </a:pPr>
+            <a:r>
+              <a:rPr lang="zh-CN" altLang="en-US" dirty="0"/>
+              <a:t>将包含物质的分给成</a:t>
+            </a:r>
+            <a:r>
+              <a:rPr lang="en-US" altLang="zh-CN" dirty="0"/>
+              <a:t>tiles</a:t>
+            </a:r>
+            <a:r>
+              <a:rPr lang="zh-CN" altLang="en-US" dirty="0"/>
+              <a:t>，至少有</a:t>
+            </a:r>
+            <a:r>
+              <a:rPr lang="en-US" altLang="zh-CN" dirty="0"/>
+              <a:t>20%</a:t>
+            </a:r>
+            <a:r>
+              <a:rPr lang="zh-CN" altLang="en-US" dirty="0"/>
+              <a:t>的</a:t>
+            </a:r>
+            <a:r>
+              <a:rPr lang="en-US" altLang="zh-CN" dirty="0"/>
+              <a:t>tile</a:t>
+            </a:r>
+            <a:r>
+              <a:rPr lang="zh-CN" altLang="en-US" dirty="0"/>
+              <a:t>被识别为前景，才会被当成物质</a:t>
+            </a:r>
+            <a:r>
+              <a:rPr lang="en-US" altLang="zh-CN" dirty="0"/>
+              <a:t>tile</a:t>
+            </a:r>
+            <a:r>
+              <a:rPr lang="zh-CN" altLang="en-US" dirty="0"/>
+              <a:t>，但最后只保留</a:t>
+            </a:r>
+            <a:r>
+              <a:rPr lang="en-US" altLang="zh-CN" dirty="0"/>
+              <a:t>10000</a:t>
+            </a:r>
+            <a:r>
+              <a:rPr lang="zh-CN" altLang="en-US" dirty="0"/>
+              <a:t>个</a:t>
+            </a:r>
+            <a:endParaRPr lang="en-US" altLang="zh-CN" dirty="0"/>
+          </a:p>
+          <a:p>
+            <a:pPr marL="228600" indent="-228600">
+              <a:buAutoNum type="arabicPeriod"/>
+            </a:pPr>
+            <a:r>
+              <a:rPr lang="zh-CN" altLang="en-US" dirty="0"/>
+              <a:t>然后使用</a:t>
+            </a:r>
+            <a:r>
+              <a:rPr lang="en-US" altLang="zh-CN" dirty="0"/>
+              <a:t>Resnet-50 </a:t>
+            </a:r>
+            <a:r>
+              <a:rPr lang="zh-CN" altLang="en-US" dirty="0"/>
+              <a:t>提取特征（</a:t>
+            </a:r>
+            <a:r>
+              <a:rPr lang="en-US" altLang="zh-CN" dirty="0"/>
+              <a:t>2048</a:t>
+            </a:r>
+            <a:r>
+              <a:rPr lang="zh-CN" altLang="en-US" dirty="0"/>
+              <a:t>），形成</a:t>
+            </a:r>
+            <a:r>
+              <a:rPr lang="en-US" altLang="zh-CN" dirty="0"/>
+              <a:t>10000</a:t>
+            </a:r>
+            <a:r>
+              <a:rPr lang="zh-CN" altLang="en-US" dirty="0"/>
+              <a:t>*</a:t>
+            </a:r>
+            <a:r>
+              <a:rPr lang="en-US" altLang="zh-CN" dirty="0"/>
+              <a:t>2048</a:t>
+            </a:r>
+            <a:r>
+              <a:rPr lang="zh-CN" altLang="en-US" dirty="0"/>
+              <a:t>的特征集（不足</a:t>
+            </a:r>
+            <a:r>
+              <a:rPr lang="en-US" altLang="zh-CN" dirty="0"/>
+              <a:t>10000</a:t>
+            </a:r>
+            <a:r>
+              <a:rPr lang="zh-CN" altLang="en-US" dirty="0"/>
+              <a:t>个填补</a:t>
+            </a:r>
+            <a:r>
+              <a:rPr lang="en-US" altLang="zh-CN" dirty="0"/>
+              <a:t>0</a:t>
+            </a:r>
+            <a:r>
+              <a:rPr lang="zh-CN" altLang="en-US" dirty="0"/>
+              <a:t>）</a:t>
+            </a:r>
+            <a:endParaRPr lang="en-US" altLang="zh-CN" dirty="0"/>
+          </a:p>
+          <a:p>
+            <a:pPr marL="228600" indent="-228600">
+              <a:buAutoNum type="arabicPeriod"/>
+            </a:pPr>
+            <a:r>
+              <a:rPr lang="zh-CN" altLang="en-US" dirty="0"/>
+              <a:t>然后使用一维卷积层对每个</a:t>
+            </a:r>
+            <a:r>
+              <a:rPr lang="en-US" altLang="zh-CN" dirty="0"/>
+              <a:t>tile</a:t>
+            </a:r>
+            <a:r>
+              <a:rPr lang="zh-CN" altLang="en-US" dirty="0"/>
+              <a:t>的特征创建分数</a:t>
+            </a:r>
+            <a:endParaRPr lang="en-US" altLang="zh-CN" dirty="0"/>
+          </a:p>
+          <a:p>
+            <a:pPr marL="228600" indent="-228600">
+              <a:buAutoNum type="arabicPeriod"/>
+            </a:pPr>
+            <a:r>
+              <a:rPr lang="zh-CN" altLang="en-US" dirty="0"/>
+              <a:t>然后找到</a:t>
+            </a:r>
+            <a:r>
+              <a:rPr lang="en-US" altLang="zh-CN" dirty="0"/>
+              <a:t>10</a:t>
+            </a:r>
+            <a:r>
+              <a:rPr lang="zh-CN" altLang="en-US" dirty="0"/>
+              <a:t>个最高评分和</a:t>
+            </a:r>
+            <a:r>
+              <a:rPr lang="en-US" altLang="zh-CN" dirty="0"/>
+              <a:t>10</a:t>
+            </a:r>
+            <a:r>
+              <a:rPr lang="zh-CN" altLang="en-US" dirty="0"/>
+              <a:t>个最低评分</a:t>
+            </a:r>
+            <a:endParaRPr lang="en-US" altLang="zh-CN" dirty="0"/>
+          </a:p>
+          <a:p>
+            <a:pPr marL="228600" indent="-228600">
+              <a:buAutoNum type="arabicPeriod"/>
+            </a:pPr>
+            <a:r>
+              <a:rPr lang="zh-CN" altLang="en-US" dirty="0"/>
+              <a:t>最后使用</a:t>
+            </a:r>
+            <a:r>
+              <a:rPr lang="en-US" altLang="zh-CN" dirty="0"/>
+              <a:t>MLP</a:t>
+            </a:r>
+            <a:r>
+              <a:rPr lang="zh-CN" altLang="en-US" dirty="0"/>
+              <a:t>进行预测（</a:t>
+            </a:r>
+            <a:r>
+              <a:rPr lang="en-US" altLang="zh-CN" dirty="0"/>
+              <a:t>200 100 sigmoid</a:t>
+            </a:r>
+            <a:r>
+              <a:rPr lang="zh-CN" altLang="en-US" dirty="0"/>
+              <a:t>激活层），将</a:t>
+            </a:r>
+            <a:r>
+              <a:rPr lang="en-US" altLang="zh-CN" dirty="0"/>
+              <a:t>tile</a:t>
+            </a:r>
+            <a:r>
+              <a:rPr lang="zh-CN" altLang="en-US" dirty="0"/>
+              <a:t>的分数转变为生存期预测</a:t>
+            </a:r>
+            <a:endParaRPr lang="en-US" altLang="zh-CN" dirty="0"/>
+          </a:p>
+          <a:p>
+            <a:pPr marL="0" indent="0">
+              <a:buNone/>
+            </a:pPr>
+            <a:r>
+              <a:rPr lang="zh-CN" altLang="en-US" dirty="0"/>
+              <a:t>其中</a:t>
+            </a:r>
+            <a:endParaRPr lang="en-US" altLang="zh-CN" dirty="0"/>
+          </a:p>
+          <a:p>
+            <a:pPr marL="0" indent="0">
+              <a:buNone/>
+            </a:pPr>
+            <a:r>
+              <a:rPr lang="en-US" altLang="zh-CN" dirty="0"/>
+              <a:t>Autoencoder</a:t>
+            </a:r>
+            <a:r>
+              <a:rPr lang="zh-CN" altLang="en-US" dirty="0"/>
+              <a:t>用于防止过拟合，将</a:t>
+            </a:r>
+            <a:r>
+              <a:rPr lang="en-US" altLang="zh-CN" dirty="0"/>
+              <a:t>2048</a:t>
+            </a:r>
+            <a:r>
+              <a:rPr lang="zh-CN" altLang="en-US" dirty="0"/>
+              <a:t>维特征映射到</a:t>
+            </a:r>
+            <a:r>
+              <a:rPr lang="en-US" altLang="zh-CN" dirty="0"/>
+              <a:t>512</a:t>
+            </a:r>
+            <a:r>
+              <a:rPr lang="zh-CN" altLang="en-US" dirty="0"/>
+              <a:t>维</a:t>
+            </a:r>
+            <a:endParaRPr lang="en-US" altLang="zh-CN" dirty="0"/>
+          </a:p>
+          <a:p>
+            <a:pPr marL="0" indent="0">
+              <a:buNone/>
+            </a:pPr>
+            <a:r>
+              <a:rPr lang="zh-CN" altLang="en-US" dirty="0"/>
+              <a:t>由于</a:t>
+            </a:r>
+            <a:r>
+              <a:rPr lang="en-US" altLang="zh-CN" dirty="0" err="1"/>
+              <a:t>MesoNet</a:t>
+            </a:r>
+            <a:r>
+              <a:rPr lang="zh-CN" altLang="en-US" dirty="0"/>
+              <a:t>先前用于分类问题，改动也就是把最后一层从</a:t>
+            </a:r>
+            <a:r>
+              <a:rPr lang="en-US" altLang="zh-CN" dirty="0" err="1"/>
+              <a:t>softmax</a:t>
+            </a:r>
+            <a:r>
+              <a:rPr lang="zh-CN" altLang="en-US" dirty="0"/>
+              <a:t>变成</a:t>
+            </a:r>
+            <a:r>
+              <a:rPr lang="en-US" altLang="zh-CN" dirty="0"/>
+              <a:t>linear</a:t>
+            </a:r>
+            <a:r>
+              <a:rPr lang="zh-CN" altLang="en-US" dirty="0"/>
+              <a:t>，并把损失函数变成</a:t>
+            </a:r>
+            <a:r>
+              <a:rPr lang="en-US" altLang="zh-CN" dirty="0"/>
+              <a:t>Cox loss</a:t>
+            </a:r>
+            <a:r>
+              <a:rPr lang="zh-CN" altLang="en-US" dirty="0"/>
+              <a:t>（因为</a:t>
+            </a:r>
+            <a:r>
+              <a:rPr lang="en-US" altLang="zh-CN" dirty="0"/>
+              <a:t>censored data</a:t>
+            </a:r>
+            <a:r>
+              <a:rPr lang="zh-CN" altLang="en-US" dirty="0"/>
+              <a:t>的存在）</a:t>
+            </a:r>
+            <a:endParaRPr lang="en-US" altLang="zh-CN" dirty="0"/>
           </a:p>
         </p:txBody>
       </p:sp>
@@ -8048,7 +8354,7 @@
                           <a:ea typeface="微软雅黑" panose="020B0503020204020204" pitchFamily="34" charset="-122"/>
                           <a:cs typeface="Arial" panose="020B0604020202020204" pitchFamily="34" charset="0"/>
                         </a:rPr>
-                        <a:t>2022年7月26日</a:t>
+                        <a:t>2022年7月29日</a:t>
                       </a:fld>
                       <a:endParaRPr lang="zh-CN" altLang="en-US" sz="2000" b="0" kern="1200" dirty="0">
                         <a:solidFill>
@@ -8899,6 +9205,295 @@
           </a:p>
         </p:txBody>
       </p:sp>
+      <p:sp>
+        <p:nvSpPr>
+          <p:cNvPr id="3" name="文本框 2">
+            <a:extLst>
+              <a:ext uri="{FF2B5EF4-FFF2-40B4-BE49-F238E27FC236}">
+                <a16:creationId xmlns:a16="http://schemas.microsoft.com/office/drawing/2014/main" id="{7192E6A2-5F8B-4168-B68F-DD362529A44D}"/>
+              </a:ext>
+            </a:extLst>
+          </p:cNvPr>
+          <p:cNvSpPr txBox="1"/>
+          <p:nvPr/>
+        </p:nvSpPr>
+        <p:spPr>
+          <a:xfrm>
+            <a:off x="467544" y="1052736"/>
+            <a:ext cx="8208912" cy="4154984"/>
+          </a:xfrm>
+          <a:prstGeom prst="rect">
+            <a:avLst/>
+          </a:prstGeom>
+          <a:noFill/>
+        </p:spPr>
+        <p:txBody>
+          <a:bodyPr wrap="square" rtlCol="0">
+            <a:spAutoFit/>
+          </a:bodyPr>
+          <a:lstStyle/>
+          <a:p>
+            <a:r>
+              <a:rPr lang="zh-CN" altLang="en-US" sz="2400" b="0" dirty="0">
+                <a:solidFill>
+                  <a:schemeClr val="tx1"/>
+                </a:solidFill>
+                <a:latin typeface="宋体" panose="02010600030101010101" pitchFamily="2" charset="-122"/>
+                <a:ea typeface="宋体" panose="02010600030101010101" pitchFamily="2" charset="-122"/>
+              </a:rPr>
+              <a:t>恶性间皮瘤（</a:t>
+            </a:r>
+            <a:r>
+              <a:rPr lang="en-US" altLang="zh-CN" sz="2400" b="0" dirty="0">
+                <a:solidFill>
+                  <a:schemeClr val="tx1"/>
+                </a:solidFill>
+                <a:latin typeface="宋体" panose="02010600030101010101" pitchFamily="2" charset="-122"/>
+                <a:ea typeface="宋体" panose="02010600030101010101" pitchFamily="2" charset="-122"/>
+              </a:rPr>
+              <a:t>MM</a:t>
+            </a:r>
+            <a:r>
+              <a:rPr lang="zh-CN" altLang="en-US" sz="2400" b="0" dirty="0">
+                <a:solidFill>
+                  <a:schemeClr val="tx1"/>
+                </a:solidFill>
+                <a:latin typeface="宋体" panose="02010600030101010101" pitchFamily="2" charset="-122"/>
+                <a:ea typeface="宋体" panose="02010600030101010101" pitchFamily="2" charset="-122"/>
+              </a:rPr>
+              <a:t>）是一种侵袭性癌症，主要分为上皮样</a:t>
+            </a:r>
+            <a:r>
+              <a:rPr lang="en-US" altLang="zh-CN" sz="2400" b="0" dirty="0">
+                <a:solidFill>
+                  <a:schemeClr val="tx1"/>
+                </a:solidFill>
+                <a:latin typeface="宋体" panose="02010600030101010101" pitchFamily="2" charset="-122"/>
+                <a:ea typeface="宋体" panose="02010600030101010101" pitchFamily="2" charset="-122"/>
+              </a:rPr>
+              <a:t>EMM</a:t>
+            </a:r>
+            <a:r>
+              <a:rPr lang="zh-CN" altLang="en-US" sz="2400" b="0" dirty="0">
+                <a:solidFill>
+                  <a:schemeClr val="tx1"/>
+                </a:solidFill>
+                <a:latin typeface="宋体" panose="02010600030101010101" pitchFamily="2" charset="-122"/>
+                <a:ea typeface="宋体" panose="02010600030101010101" pitchFamily="2" charset="-122"/>
+              </a:rPr>
+              <a:t>、双相</a:t>
+            </a:r>
+            <a:r>
+              <a:rPr lang="en-US" altLang="zh-CN" sz="2400" b="0" dirty="0">
+                <a:solidFill>
+                  <a:schemeClr val="tx1"/>
+                </a:solidFill>
+                <a:latin typeface="宋体" panose="02010600030101010101" pitchFamily="2" charset="-122"/>
+                <a:ea typeface="宋体" panose="02010600030101010101" pitchFamily="2" charset="-122"/>
+              </a:rPr>
+              <a:t>BMM</a:t>
+            </a:r>
+            <a:r>
+              <a:rPr lang="zh-CN" altLang="en-US" sz="2400" b="0" dirty="0">
+                <a:solidFill>
+                  <a:schemeClr val="tx1"/>
+                </a:solidFill>
+                <a:latin typeface="宋体" panose="02010600030101010101" pitchFamily="2" charset="-122"/>
+                <a:ea typeface="宋体" panose="02010600030101010101" pitchFamily="2" charset="-122"/>
+              </a:rPr>
+              <a:t>和肉瘤样</a:t>
+            </a:r>
+            <a:r>
+              <a:rPr lang="en-US" altLang="zh-CN" sz="2400" b="0" dirty="0">
+                <a:solidFill>
+                  <a:schemeClr val="tx1"/>
+                </a:solidFill>
+                <a:latin typeface="宋体" panose="02010600030101010101" pitchFamily="2" charset="-122"/>
+                <a:ea typeface="宋体" panose="02010600030101010101" pitchFamily="2" charset="-122"/>
+              </a:rPr>
+              <a:t>SMM</a:t>
+            </a:r>
+            <a:r>
+              <a:rPr lang="zh-CN" altLang="en-US" sz="2400" b="0" dirty="0">
+                <a:solidFill>
+                  <a:schemeClr val="tx1"/>
+                </a:solidFill>
+                <a:latin typeface="宋体" panose="02010600030101010101" pitchFamily="2" charset="-122"/>
+                <a:ea typeface="宋体" panose="02010600030101010101" pitchFamily="2" charset="-122"/>
+              </a:rPr>
+              <a:t>。由于</a:t>
+            </a:r>
+            <a:r>
+              <a:rPr lang="en-US" altLang="zh-CN" sz="2400" b="0" dirty="0">
+                <a:solidFill>
+                  <a:schemeClr val="tx1"/>
+                </a:solidFill>
+                <a:latin typeface="宋体" panose="02010600030101010101" pitchFamily="2" charset="-122"/>
+                <a:ea typeface="宋体" panose="02010600030101010101" pitchFamily="2" charset="-122"/>
+              </a:rPr>
+              <a:t>MM</a:t>
+            </a:r>
+            <a:r>
+              <a:rPr lang="zh-CN" altLang="en-US" sz="2400" b="0" dirty="0">
+                <a:solidFill>
+                  <a:schemeClr val="tx1"/>
+                </a:solidFill>
+                <a:latin typeface="宋体" panose="02010600030101010101" pitchFamily="2" charset="-122"/>
+                <a:ea typeface="宋体" panose="02010600030101010101" pitchFamily="2" charset="-122"/>
+              </a:rPr>
+              <a:t>高度复杂且具有异质性，使其诊断和组织学分型较为困难。</a:t>
+            </a:r>
+            <a:endParaRPr lang="en-US" altLang="zh-CN" sz="2400" b="0" dirty="0">
+              <a:solidFill>
+                <a:schemeClr val="tx1"/>
+              </a:solidFill>
+              <a:latin typeface="宋体" panose="02010600030101010101" pitchFamily="2" charset="-122"/>
+              <a:ea typeface="宋体" panose="02010600030101010101" pitchFamily="2" charset="-122"/>
+            </a:endParaRPr>
+          </a:p>
+          <a:p>
+            <a:r>
+              <a:rPr lang="zh-CN" altLang="en-US" sz="2400" b="0" dirty="0">
+                <a:solidFill>
+                  <a:schemeClr val="tx1"/>
+                </a:solidFill>
+                <a:latin typeface="宋体" panose="02010600030101010101" pitchFamily="2" charset="-122"/>
+                <a:ea typeface="宋体" panose="02010600030101010101" pitchFamily="2" charset="-122"/>
+              </a:rPr>
+              <a:t>此文提出基于深度卷积神经网络的方法</a:t>
+            </a:r>
+            <a:r>
+              <a:rPr lang="en-US" altLang="zh-CN" sz="2400" b="0" dirty="0">
+                <a:solidFill>
+                  <a:schemeClr val="tx1"/>
+                </a:solidFill>
+                <a:latin typeface="宋体" panose="02010600030101010101" pitchFamily="2" charset="-122"/>
+                <a:ea typeface="宋体" panose="02010600030101010101" pitchFamily="2" charset="-122"/>
+              </a:rPr>
+              <a:t>——</a:t>
+            </a:r>
+            <a:r>
+              <a:rPr lang="en-US" altLang="zh-CN" sz="2400" b="0" dirty="0" err="1">
+                <a:solidFill>
+                  <a:schemeClr val="tx1"/>
+                </a:solidFill>
+                <a:latin typeface="宋体" panose="02010600030101010101" pitchFamily="2" charset="-122"/>
+                <a:ea typeface="宋体" panose="02010600030101010101" pitchFamily="2" charset="-122"/>
+              </a:rPr>
+              <a:t>MesoNet</a:t>
+            </a:r>
+            <a:r>
+              <a:rPr lang="zh-CN" altLang="en-US" sz="2400" b="0" dirty="0">
+                <a:solidFill>
+                  <a:schemeClr val="tx1"/>
+                </a:solidFill>
+                <a:latin typeface="宋体" panose="02010600030101010101" pitchFamily="2" charset="-122"/>
+                <a:ea typeface="宋体" panose="02010600030101010101" pitchFamily="2" charset="-122"/>
+              </a:rPr>
+              <a:t>，从全载玻片数字图像中预测</a:t>
+            </a:r>
+            <a:r>
+              <a:rPr lang="en-US" altLang="zh-CN" sz="2400" b="0" dirty="0">
+                <a:solidFill>
+                  <a:schemeClr val="tx1"/>
+                </a:solidFill>
+                <a:latin typeface="宋体" panose="02010600030101010101" pitchFamily="2" charset="-122"/>
+                <a:ea typeface="宋体" panose="02010600030101010101" pitchFamily="2" charset="-122"/>
+              </a:rPr>
+              <a:t>MM</a:t>
+            </a:r>
+            <a:r>
+              <a:rPr lang="zh-CN" altLang="en-US" sz="2400" b="0" dirty="0">
+                <a:solidFill>
+                  <a:schemeClr val="tx1"/>
+                </a:solidFill>
+                <a:latin typeface="宋体" panose="02010600030101010101" pitchFamily="2" charset="-122"/>
+                <a:ea typeface="宋体" panose="02010600030101010101" pitchFamily="2" charset="-122"/>
+              </a:rPr>
+              <a:t>患者的总生存期，没有任何病理学家的局部注释。</a:t>
+            </a:r>
+            <a:endParaRPr lang="en-US" altLang="zh-CN" sz="2400" b="0" dirty="0">
+              <a:solidFill>
+                <a:schemeClr val="tx1"/>
+              </a:solidFill>
+              <a:latin typeface="宋体" panose="02010600030101010101" pitchFamily="2" charset="-122"/>
+              <a:ea typeface="宋体" panose="02010600030101010101" pitchFamily="2" charset="-122"/>
+            </a:endParaRPr>
+          </a:p>
+          <a:p>
+            <a:r>
+              <a:rPr lang="zh-CN" altLang="en-US" sz="2400" b="0" dirty="0">
+                <a:solidFill>
+                  <a:schemeClr val="tx1"/>
+                </a:solidFill>
+                <a:latin typeface="宋体" panose="02010600030101010101" pitchFamily="2" charset="-122"/>
+                <a:ea typeface="宋体" panose="02010600030101010101" pitchFamily="2" charset="-122"/>
+              </a:rPr>
+              <a:t>在</a:t>
+            </a:r>
+            <a:r>
+              <a:rPr lang="en-US" altLang="zh-CN" sz="2400" b="0" dirty="0">
+                <a:solidFill>
+                  <a:schemeClr val="tx1"/>
+                </a:solidFill>
+                <a:latin typeface="宋体" panose="02010600030101010101" pitchFamily="2" charset="-122"/>
+                <a:ea typeface="宋体" panose="02010600030101010101" pitchFamily="2" charset="-122"/>
+              </a:rPr>
+              <a:t>MESOBANK</a:t>
+            </a:r>
+            <a:r>
+              <a:rPr lang="zh-CN" altLang="en-US" sz="2400" b="0" dirty="0">
+                <a:solidFill>
+                  <a:schemeClr val="tx1"/>
+                </a:solidFill>
+                <a:latin typeface="宋体" panose="02010600030101010101" pitchFamily="2" charset="-122"/>
+                <a:ea typeface="宋体" panose="02010600030101010101" pitchFamily="2" charset="-122"/>
+              </a:rPr>
+              <a:t>和</a:t>
+            </a:r>
+            <a:r>
+              <a:rPr lang="en-US" altLang="zh-CN" sz="2400" b="0" dirty="0">
+                <a:solidFill>
+                  <a:schemeClr val="tx1"/>
+                </a:solidFill>
+                <a:latin typeface="宋体" panose="02010600030101010101" pitchFamily="2" charset="-122"/>
+                <a:ea typeface="宋体" panose="02010600030101010101" pitchFamily="2" charset="-122"/>
+              </a:rPr>
+              <a:t>TCGA</a:t>
+            </a:r>
+            <a:r>
+              <a:rPr lang="zh-CN" altLang="en-US" sz="2400" b="0" dirty="0">
+                <a:solidFill>
+                  <a:schemeClr val="tx1"/>
+                </a:solidFill>
+                <a:latin typeface="宋体" panose="02010600030101010101" pitchFamily="2" charset="-122"/>
+                <a:ea typeface="宋体" panose="02010600030101010101" pitchFamily="2" charset="-122"/>
+              </a:rPr>
+              <a:t>数据集上进行验证，证明该模型比当前的病理学实践更加准确。而且</a:t>
+            </a:r>
+            <a:r>
+              <a:rPr lang="en-US" altLang="zh-CN" sz="2400" b="0" dirty="0" err="1">
+                <a:solidFill>
+                  <a:schemeClr val="tx1"/>
+                </a:solidFill>
+                <a:latin typeface="宋体" panose="02010600030101010101" pitchFamily="2" charset="-122"/>
+                <a:ea typeface="宋体" panose="02010600030101010101" pitchFamily="2" charset="-122"/>
+              </a:rPr>
+              <a:t>MesoNet</a:t>
+            </a:r>
+            <a:r>
+              <a:rPr lang="zh-CN" altLang="en-US" sz="2400" b="0" dirty="0">
+                <a:solidFill>
+                  <a:schemeClr val="tx1"/>
+                </a:solidFill>
+                <a:latin typeface="宋体" panose="02010600030101010101" pitchFamily="2" charset="-122"/>
+                <a:ea typeface="宋体" panose="02010600030101010101" pitchFamily="2" charset="-122"/>
+              </a:rPr>
+              <a:t>识别的区域有助于患者预后的预测，发现这些区域多位于间质中，与炎症、细胞多样性和空泡化相关的组织学特征有关。表明该模型可以识别新的患者生存特征，有可能促进新的生物标志物发现。</a:t>
+            </a:r>
+          </a:p>
+        </p:txBody>
+      </p:sp>
     </p:spTree>
     <p:extLst>
       <p:ext uri="{BB962C8B-B14F-4D97-AF65-F5344CB8AC3E}">
@@ -8968,6 +9563,206 @@
                 <a:cs typeface="Tahoma" panose="020B0604030504040204" pitchFamily="34" charset="0"/>
               </a:rPr>
               <a:t>内容综述</a:t>
+            </a:r>
+          </a:p>
+        </p:txBody>
+      </p:sp>
+      <p:pic>
+        <p:nvPicPr>
+          <p:cNvPr id="3" name="图片 2">
+            <a:extLst>
+              <a:ext uri="{FF2B5EF4-FFF2-40B4-BE49-F238E27FC236}">
+                <a16:creationId xmlns:a16="http://schemas.microsoft.com/office/drawing/2014/main" id="{15E7B6B8-CD56-438A-AAF6-0D2533D5461F}"/>
+              </a:ext>
+            </a:extLst>
+          </p:cNvPr>
+          <p:cNvPicPr>
+            <a:picLocks noChangeAspect="1"/>
+          </p:cNvPicPr>
+          <p:nvPr/>
+        </p:nvPicPr>
+        <p:blipFill>
+          <a:blip r:embed="rId3"/>
+          <a:stretch>
+            <a:fillRect/>
+          </a:stretch>
+        </p:blipFill>
+        <p:spPr>
+          <a:xfrm>
+            <a:off x="0" y="1124744"/>
+            <a:ext cx="9144000" cy="3026398"/>
+          </a:xfrm>
+          <a:prstGeom prst="rect">
+            <a:avLst/>
+          </a:prstGeom>
+        </p:spPr>
+      </p:pic>
+      <p:sp>
+        <p:nvSpPr>
+          <p:cNvPr id="2" name="文本框 1">
+            <a:extLst>
+              <a:ext uri="{FF2B5EF4-FFF2-40B4-BE49-F238E27FC236}">
+                <a16:creationId xmlns:a16="http://schemas.microsoft.com/office/drawing/2014/main" id="{73C33915-C090-4065-965C-F3EE60A731B1}"/>
+              </a:ext>
+            </a:extLst>
+          </p:cNvPr>
+          <p:cNvSpPr txBox="1"/>
+          <p:nvPr/>
+        </p:nvSpPr>
+        <p:spPr>
+          <a:xfrm>
+            <a:off x="467544" y="4365104"/>
+            <a:ext cx="8280920" cy="2308324"/>
+          </a:xfrm>
+          <a:prstGeom prst="rect">
+            <a:avLst/>
+          </a:prstGeom>
+          <a:noFill/>
+        </p:spPr>
+        <p:txBody>
+          <a:bodyPr wrap="square" rtlCol="0">
+            <a:spAutoFit/>
+          </a:bodyPr>
+          <a:lstStyle/>
+          <a:p>
+            <a:r>
+              <a:rPr lang="zh-CN" altLang="en-US" sz="2400" dirty="0">
+                <a:solidFill>
+                  <a:schemeClr val="tx1"/>
+                </a:solidFill>
+                <a:latin typeface="宋体" panose="02010600030101010101" pitchFamily="2" charset="-122"/>
+                <a:ea typeface="宋体" panose="02010600030101010101" pitchFamily="2" charset="-122"/>
+              </a:rPr>
+              <a:t>改进：</a:t>
+            </a:r>
+            <a:endParaRPr lang="en-US" altLang="zh-CN" sz="2400" dirty="0">
+              <a:solidFill>
+                <a:schemeClr val="tx1"/>
+              </a:solidFill>
+              <a:latin typeface="宋体" panose="02010600030101010101" pitchFamily="2" charset="-122"/>
+              <a:ea typeface="宋体" panose="02010600030101010101" pitchFamily="2" charset="-122"/>
+            </a:endParaRPr>
+          </a:p>
+          <a:p>
+            <a:pPr marL="457200" indent="-457200">
+              <a:buFont typeface="Arial" panose="020B0604020202020204" pitchFamily="34" charset="0"/>
+              <a:buChar char="•"/>
+            </a:pPr>
+            <a:r>
+              <a:rPr lang="zh-CN" altLang="en-US" sz="2400" dirty="0">
+                <a:solidFill>
+                  <a:schemeClr val="tx1"/>
+                </a:solidFill>
+                <a:latin typeface="宋体" panose="02010600030101010101" pitchFamily="2" charset="-122"/>
+                <a:ea typeface="宋体" panose="02010600030101010101" pitchFamily="2" charset="-122"/>
+              </a:rPr>
+              <a:t>图像分割：原版使用</a:t>
+            </a:r>
+            <a:r>
+              <a:rPr lang="en-US" altLang="zh-CN" sz="2400" dirty="0">
+                <a:solidFill>
+                  <a:schemeClr val="tx1"/>
+                </a:solidFill>
+                <a:latin typeface="宋体" panose="02010600030101010101" pitchFamily="2" charset="-122"/>
+                <a:ea typeface="宋体" panose="02010600030101010101" pitchFamily="2" charset="-122"/>
+              </a:rPr>
+              <a:t>Otsu</a:t>
+            </a:r>
+            <a:r>
+              <a:rPr lang="zh-CN" altLang="en-US" sz="2400" dirty="0">
+                <a:solidFill>
+                  <a:schemeClr val="tx1"/>
+                </a:solidFill>
+                <a:latin typeface="宋体" panose="02010600030101010101" pitchFamily="2" charset="-122"/>
+                <a:ea typeface="宋体" panose="02010600030101010101" pitchFamily="2" charset="-122"/>
+              </a:rPr>
+              <a:t>算法，替换为</a:t>
+            </a:r>
+            <a:r>
+              <a:rPr lang="en-US" altLang="zh-CN" sz="2400" dirty="0">
+                <a:solidFill>
+                  <a:schemeClr val="tx1"/>
+                </a:solidFill>
+                <a:latin typeface="宋体" panose="02010600030101010101" pitchFamily="2" charset="-122"/>
+                <a:ea typeface="宋体" panose="02010600030101010101" pitchFamily="2" charset="-122"/>
+              </a:rPr>
+              <a:t>U-Net</a:t>
+            </a:r>
+            <a:r>
+              <a:rPr lang="zh-CN" altLang="en-US" sz="2400" dirty="0">
+                <a:solidFill>
+                  <a:schemeClr val="tx1"/>
+                </a:solidFill>
+                <a:latin typeface="宋体" panose="02010600030101010101" pitchFamily="2" charset="-122"/>
+                <a:ea typeface="宋体" panose="02010600030101010101" pitchFamily="2" charset="-122"/>
+              </a:rPr>
+              <a:t>。具有更好的鲁棒性</a:t>
+            </a:r>
+            <a:r>
+              <a:rPr lang="en-US" altLang="zh-CN" sz="2400" dirty="0">
+                <a:solidFill>
+                  <a:schemeClr val="tx1"/>
+                </a:solidFill>
+                <a:latin typeface="宋体" panose="02010600030101010101" pitchFamily="2" charset="-122"/>
+                <a:ea typeface="宋体" panose="02010600030101010101" pitchFamily="2" charset="-122"/>
+              </a:rPr>
+              <a:t> </a:t>
+            </a:r>
+          </a:p>
+          <a:p>
+            <a:pPr marL="457200" indent="-457200">
+              <a:buFont typeface="Arial" panose="020B0604020202020204" pitchFamily="34" charset="0"/>
+              <a:buChar char="•"/>
+            </a:pPr>
+            <a:r>
+              <a:rPr lang="zh-CN" altLang="en-US" sz="2400" dirty="0">
+                <a:solidFill>
+                  <a:schemeClr val="tx1"/>
+                </a:solidFill>
+                <a:latin typeface="宋体" panose="02010600030101010101" pitchFamily="2" charset="-122"/>
+                <a:ea typeface="宋体" panose="02010600030101010101" pitchFamily="2" charset="-122"/>
+              </a:rPr>
+              <a:t>生存损失：原</a:t>
+            </a:r>
+            <a:r>
+              <a:rPr lang="en-US" altLang="zh-CN" sz="2400" dirty="0" err="1">
+                <a:solidFill>
+                  <a:schemeClr val="tx1"/>
+                </a:solidFill>
+                <a:latin typeface="宋体" panose="02010600030101010101" pitchFamily="2" charset="-122"/>
+                <a:ea typeface="宋体" panose="02010600030101010101" pitchFamily="2" charset="-122"/>
+              </a:rPr>
+              <a:t>MesoNet</a:t>
+            </a:r>
+            <a:r>
+              <a:rPr lang="zh-CN" altLang="en-US" sz="2400" dirty="0">
+                <a:solidFill>
+                  <a:schemeClr val="tx1"/>
+                </a:solidFill>
+                <a:latin typeface="宋体" panose="02010600030101010101" pitchFamily="2" charset="-122"/>
+                <a:ea typeface="宋体" panose="02010600030101010101" pitchFamily="2" charset="-122"/>
+              </a:rPr>
+              <a:t>用于分类问题，将最后一层改为线性激活层，从而更好拟合生存期预测，且由于</a:t>
+            </a:r>
+            <a:r>
+              <a:rPr lang="en-US" altLang="zh-CN" sz="2400" dirty="0">
+                <a:solidFill>
+                  <a:schemeClr val="tx1"/>
+                </a:solidFill>
+                <a:latin typeface="宋体" panose="02010600030101010101" pitchFamily="2" charset="-122"/>
+                <a:ea typeface="宋体" panose="02010600030101010101" pitchFamily="2" charset="-122"/>
+              </a:rPr>
+              <a:t>censored data</a:t>
+            </a:r>
+            <a:r>
+              <a:rPr lang="zh-CN" altLang="en-US" sz="2400" dirty="0">
+                <a:solidFill>
+                  <a:schemeClr val="tx1"/>
+                </a:solidFill>
+                <a:latin typeface="宋体" panose="02010600030101010101" pitchFamily="2" charset="-122"/>
+                <a:ea typeface="宋体" panose="02010600030101010101" pitchFamily="2" charset="-122"/>
+              </a:rPr>
+              <a:t>的存在</a:t>
             </a:r>
           </a:p>
         </p:txBody>

--- a/PPT/Deep learning-based classification.pptx
+++ b/PPT/Deep learning-based classification.pptx
@@ -6,10 +6,10 @@
     <p:sldMasterId id="2147483664" r:id="rId2"/>
   </p:sldMasterIdLst>
   <p:notesMasterIdLst>
-    <p:notesMasterId r:id="rId10"/>
+    <p:notesMasterId r:id="rId11"/>
   </p:notesMasterIdLst>
   <p:handoutMasterIdLst>
-    <p:handoutMasterId r:id="rId11"/>
+    <p:handoutMasterId r:id="rId12"/>
   </p:handoutMasterIdLst>
   <p:sldIdLst>
     <p:sldId id="821" r:id="rId3"/>
@@ -17,8 +17,9 @@
     <p:sldId id="928" r:id="rId5"/>
     <p:sldId id="929" r:id="rId6"/>
     <p:sldId id="931" r:id="rId7"/>
-    <p:sldId id="930" r:id="rId8"/>
-    <p:sldId id="778" r:id="rId9"/>
+    <p:sldId id="932" r:id="rId8"/>
+    <p:sldId id="930" r:id="rId9"/>
+    <p:sldId id="778" r:id="rId10"/>
   </p:sldIdLst>
   <p:sldSz cx="9144000" cy="6858000" type="overhead"/>
   <p:notesSz cx="6858000" cy="9144000"/>
@@ -308,7 +309,7 @@
               <a:pPr>
                 <a:defRPr/>
               </a:pPr>
-              <a:t>2022/7/29</a:t>
+              <a:t>2022/7/30</a:t>
             </a:fld>
             <a:endParaRPr lang="en-US" altLang="zh-CN"/>
           </a:p>
@@ -526,7 +527,7 @@
               <a:pPr>
                 <a:defRPr/>
               </a:pPr>
-              <a:t>2022/7/29</a:t>
+              <a:t>2022/7/30</a:t>
             </a:fld>
             <a:endParaRPr lang="zh-CN" altLang="en-US"/>
           </a:p>
@@ -1555,6 +1556,22 @@
           <a:bodyPr/>
           <a:lstStyle/>
           <a:p>
+            <a:r>
+              <a:rPr lang="en-US" altLang="zh-CN" dirty="0"/>
+              <a:t>A</a:t>
+            </a:r>
+            <a:r>
+              <a:rPr lang="zh-CN" altLang="en-US" dirty="0"/>
+              <a:t>图为几个模型效果间的对比，其中</a:t>
+            </a:r>
+            <a:r>
+              <a:rPr lang="en-US" altLang="zh-CN" dirty="0" err="1"/>
+              <a:t>Histo</a:t>
+            </a:r>
+            <a:r>
+              <a:rPr lang="zh-CN" altLang="en-US"/>
+              <a:t>仅依据组织学分型预测</a:t>
+            </a:r>
             <a:endParaRPr lang="zh-CN" altLang="en-US" dirty="0"/>
           </a:p>
         </p:txBody>
@@ -1681,7 +1698,7 @@
     </p:spTree>
     <p:extLst>
       <p:ext uri="{BB962C8B-B14F-4D97-AF65-F5344CB8AC3E}">
-        <p14:creationId xmlns:p14="http://schemas.microsoft.com/office/powerpoint/2010/main" val="315912869"/>
+        <p14:creationId xmlns:p14="http://schemas.microsoft.com/office/powerpoint/2010/main" val="3915666509"/>
       </p:ext>
     </p:extLst>
   </p:cSld>
@@ -1710,7 +1727,7 @@
       </p:grpSpPr>
       <p:sp>
         <p:nvSpPr>
-          <p:cNvPr id="2" name="Slide Image Placeholder 1"/>
+          <p:cNvPr id="2" name="幻灯片图像占位符 1"/>
           <p:cNvSpPr>
             <a:spLocks noGrp="1" noRot="1" noChangeAspect="1"/>
           </p:cNvSpPr>
@@ -1722,7 +1739,7 @@
       </p:sp>
       <p:sp>
         <p:nvSpPr>
-          <p:cNvPr id="3" name="Notes Placeholder 2"/>
+          <p:cNvPr id="3" name="备注占位符 2"/>
           <p:cNvSpPr>
             <a:spLocks noGrp="1"/>
           </p:cNvSpPr>
@@ -1735,18 +1752,18 @@
           <a:bodyPr/>
           <a:lstStyle/>
           <a:p>
-            <a:endParaRPr lang="en-US" dirty="0"/>
+            <a:endParaRPr lang="zh-CN" altLang="en-US" dirty="0"/>
           </a:p>
         </p:txBody>
       </p:sp>
       <p:sp>
         <p:nvSpPr>
-          <p:cNvPr id="4" name="Slide Number Placeholder 3"/>
+          <p:cNvPr id="4" name="灯片编号占位符 3"/>
           <p:cNvSpPr>
             <a:spLocks noGrp="1"/>
           </p:cNvSpPr>
           <p:nvPr>
-            <p:ph type="sldNum" sz="quarter" idx="10"/>
+            <p:ph type="sldNum" sz="quarter" idx="5"/>
           </p:nvPr>
         </p:nvSpPr>
         <p:spPr/>
@@ -1763,6 +1780,96 @@
                 <a:defRPr/>
               </a:pPr>
               <a:t>7</a:t>
+            </a:fld>
+            <a:endParaRPr lang="en-US" altLang="zh-CN"/>
+          </a:p>
+        </p:txBody>
+      </p:sp>
+    </p:spTree>
+    <p:extLst>
+      <p:ext uri="{BB962C8B-B14F-4D97-AF65-F5344CB8AC3E}">
+        <p14:creationId xmlns:p14="http://schemas.microsoft.com/office/powerpoint/2010/main" val="315912869"/>
+      </p:ext>
+    </p:extLst>
+  </p:cSld>
+  <p:clrMapOvr>
+    <a:masterClrMapping/>
+  </p:clrMapOvr>
+</p:notes>
+</file>
+
+<file path=ppt/notesSlides/notesSlide8.xml><?xml version="1.0" encoding="utf-8"?>
+<p:notes xmlns:a="http://schemas.openxmlformats.org/drawingml/2006/main" xmlns:r="http://schemas.openxmlformats.org/officeDocument/2006/relationships" xmlns:p="http://schemas.openxmlformats.org/presentationml/2006/main">
+  <p:cSld>
+    <p:spTree>
+      <p:nvGrpSpPr>
+        <p:cNvPr id="1" name=""/>
+        <p:cNvGrpSpPr/>
+        <p:nvPr/>
+      </p:nvGrpSpPr>
+      <p:grpSpPr>
+        <a:xfrm>
+          <a:off x="0" y="0"/>
+          <a:ext cx="0" cy="0"/>
+          <a:chOff x="0" y="0"/>
+          <a:chExt cx="0" cy="0"/>
+        </a:xfrm>
+      </p:grpSpPr>
+      <p:sp>
+        <p:nvSpPr>
+          <p:cNvPr id="2" name="Slide Image Placeholder 1"/>
+          <p:cNvSpPr>
+            <a:spLocks noGrp="1" noRot="1" noChangeAspect="1"/>
+          </p:cNvSpPr>
+          <p:nvPr>
+            <p:ph type="sldImg"/>
+          </p:nvPr>
+        </p:nvSpPr>
+        <p:spPr/>
+      </p:sp>
+      <p:sp>
+        <p:nvSpPr>
+          <p:cNvPr id="3" name="Notes Placeholder 2"/>
+          <p:cNvSpPr>
+            <a:spLocks noGrp="1"/>
+          </p:cNvSpPr>
+          <p:nvPr>
+            <p:ph type="body" idx="1"/>
+          </p:nvPr>
+        </p:nvSpPr>
+        <p:spPr/>
+        <p:txBody>
+          <a:bodyPr/>
+          <a:lstStyle/>
+          <a:p>
+            <a:endParaRPr lang="en-US" dirty="0"/>
+          </a:p>
+        </p:txBody>
+      </p:sp>
+      <p:sp>
+        <p:nvSpPr>
+          <p:cNvPr id="4" name="Slide Number Placeholder 3"/>
+          <p:cNvSpPr>
+            <a:spLocks noGrp="1"/>
+          </p:cNvSpPr>
+          <p:nvPr>
+            <p:ph type="sldNum" sz="quarter" idx="10"/>
+          </p:nvPr>
+        </p:nvSpPr>
+        <p:spPr/>
+        <p:txBody>
+          <a:bodyPr/>
+          <a:lstStyle/>
+          <a:p>
+            <a:pPr>
+              <a:defRPr/>
+            </a:pPr>
+            <a:fld id="{0DC11F4D-F564-447C-A7A1-7DFCF35D6511}" type="slidenum">
+              <a:rPr lang="zh-CN" altLang="en-US" smtClean="0"/>
+              <a:pPr>
+                <a:defRPr/>
+              </a:pPr>
+              <a:t>8</a:t>
             </a:fld>
             <a:endParaRPr lang="en-US" altLang="zh-CN"/>
           </a:p>
@@ -8354,7 +8461,7 @@
                           <a:ea typeface="微软雅黑" panose="020B0503020204020204" pitchFamily="34" charset="-122"/>
                           <a:cs typeface="Arial" panose="020B0604020202020204" pitchFamily="34" charset="0"/>
                         </a:rPr>
-                        <a:t>2022年7月29日</a:t>
+                        <a:t>2022年7月30日</a:t>
                       </a:fld>
                       <a:endParaRPr lang="zh-CN" altLang="en-US" sz="2000" b="0" kern="1200" dirty="0">
                         <a:solidFill>
@@ -9840,6 +9947,66 @@
           </a:p>
         </p:txBody>
       </p:sp>
+      <p:pic>
+        <p:nvPicPr>
+          <p:cNvPr id="3" name="图片 2">
+            <a:extLst>
+              <a:ext uri="{FF2B5EF4-FFF2-40B4-BE49-F238E27FC236}">
+                <a16:creationId xmlns:a16="http://schemas.microsoft.com/office/drawing/2014/main" id="{37FC0651-4269-4084-8102-69E37B647EFE}"/>
+              </a:ext>
+            </a:extLst>
+          </p:cNvPr>
+          <p:cNvPicPr>
+            <a:picLocks noChangeAspect="1"/>
+          </p:cNvPicPr>
+          <p:nvPr/>
+        </p:nvPicPr>
+        <p:blipFill>
+          <a:blip r:embed="rId3"/>
+          <a:stretch>
+            <a:fillRect/>
+          </a:stretch>
+        </p:blipFill>
+        <p:spPr>
+          <a:xfrm>
+            <a:off x="602686" y="851645"/>
+            <a:ext cx="7938628" cy="4063822"/>
+          </a:xfrm>
+          <a:prstGeom prst="rect">
+            <a:avLst/>
+          </a:prstGeom>
+        </p:spPr>
+      </p:pic>
+      <p:pic>
+        <p:nvPicPr>
+          <p:cNvPr id="5" name="图片 4">
+            <a:extLst>
+              <a:ext uri="{FF2B5EF4-FFF2-40B4-BE49-F238E27FC236}">
+                <a16:creationId xmlns:a16="http://schemas.microsoft.com/office/drawing/2014/main" id="{C2422539-533C-4F70-A958-A9D4D119C5BD}"/>
+              </a:ext>
+            </a:extLst>
+          </p:cNvPr>
+          <p:cNvPicPr>
+            <a:picLocks noChangeAspect="1"/>
+          </p:cNvPicPr>
+          <p:nvPr/>
+        </p:nvPicPr>
+        <p:blipFill>
+          <a:blip r:embed="rId4"/>
+          <a:stretch>
+            <a:fillRect/>
+          </a:stretch>
+        </p:blipFill>
+        <p:spPr>
+          <a:xfrm>
+            <a:off x="196416" y="4915467"/>
+            <a:ext cx="8751168" cy="1785663"/>
+          </a:xfrm>
+          <a:prstGeom prst="rect">
+            <a:avLst/>
+          </a:prstGeom>
+        </p:spPr>
+      </p:pic>
     </p:spTree>
     <p:extLst>
       <p:ext uri="{BB962C8B-B14F-4D97-AF65-F5344CB8AC3E}">
@@ -9908,6 +10075,79 @@
                 <a:ea typeface="黑体" panose="02010609060101010101" pitchFamily="49" charset="-122"/>
                 <a:cs typeface="Tahoma" panose="020B0604030504040204" pitchFamily="34" charset="0"/>
               </a:rPr>
+              <a:t>实验综述</a:t>
+            </a:r>
+          </a:p>
+        </p:txBody>
+      </p:sp>
+    </p:spTree>
+    <p:extLst>
+      <p:ext uri="{BB962C8B-B14F-4D97-AF65-F5344CB8AC3E}">
+        <p14:creationId xmlns:p14="http://schemas.microsoft.com/office/powerpoint/2010/main" val="2731099801"/>
+      </p:ext>
+    </p:extLst>
+  </p:cSld>
+  <p:clrMapOvr>
+    <a:masterClrMapping/>
+  </p:clrMapOvr>
+  <p:transition advTm="42000"/>
+</p:sld>
+</file>
+
+<file path=ppt/slides/slide7.xml><?xml version="1.0" encoding="utf-8"?>
+<p:sld xmlns:a="http://schemas.openxmlformats.org/drawingml/2006/main" xmlns:r="http://schemas.openxmlformats.org/officeDocument/2006/relationships" xmlns:p="http://schemas.openxmlformats.org/presentationml/2006/main">
+  <p:cSld>
+    <p:spTree>
+      <p:nvGrpSpPr>
+        <p:cNvPr id="1" name=""/>
+        <p:cNvGrpSpPr/>
+        <p:nvPr/>
+      </p:nvGrpSpPr>
+      <p:grpSpPr>
+        <a:xfrm>
+          <a:off x="0" y="0"/>
+          <a:ext cx="0" cy="0"/>
+          <a:chOff x="0" y="0"/>
+          <a:chExt cx="0" cy="0"/>
+        </a:xfrm>
+      </p:grpSpPr>
+      <p:sp>
+        <p:nvSpPr>
+          <p:cNvPr id="131" name="矩形 130">
+            <a:extLst>
+              <a:ext uri="{FF2B5EF4-FFF2-40B4-BE49-F238E27FC236}">
+                <a16:creationId xmlns:a16="http://schemas.microsoft.com/office/drawing/2014/main" id="{72D2EBED-1E08-45B7-92E4-33E894808B41}"/>
+              </a:ext>
+            </a:extLst>
+          </p:cNvPr>
+          <p:cNvSpPr/>
+          <p:nvPr/>
+        </p:nvSpPr>
+        <p:spPr>
+          <a:xfrm>
+            <a:off x="2843808" y="46365"/>
+            <a:ext cx="6297488" cy="583565"/>
+          </a:xfrm>
+          <a:prstGeom prst="rect">
+            <a:avLst/>
+          </a:prstGeom>
+        </p:spPr>
+        <p:txBody>
+          <a:bodyPr wrap="square">
+            <a:spAutoFit/>
+          </a:bodyPr>
+          <a:lstStyle/>
+          <a:p>
+            <a:pPr algn="r"/>
+            <a:r>
+              <a:rPr lang="zh-CN" altLang="en-US" sz="3200" b="0" spc="600" dirty="0">
+                <a:solidFill>
+                  <a:schemeClr val="bg1"/>
+                </a:solidFill>
+                <a:latin typeface="黑体" panose="02010609060101010101" pitchFamily="49" charset="-122"/>
+                <a:ea typeface="黑体" panose="02010609060101010101" pitchFamily="49" charset="-122"/>
+                <a:cs typeface="Tahoma" panose="020B0604030504040204" pitchFamily="34" charset="0"/>
+              </a:rPr>
               <a:t>未来工作</a:t>
             </a:r>
           </a:p>
@@ -9927,7 +10167,7 @@
 </p:sld>
 </file>
 
-<file path=ppt/slides/slide7.xml><?xml version="1.0" encoding="utf-8"?>
+<file path=ppt/slides/slide8.xml><?xml version="1.0" encoding="utf-8"?>
 <p:sld xmlns:a="http://schemas.openxmlformats.org/drawingml/2006/main" xmlns:r="http://schemas.openxmlformats.org/officeDocument/2006/relationships" xmlns:p="http://schemas.openxmlformats.org/presentationml/2006/main">
   <p:cSld>
     <p:spTree>

--- a/PPT/Deep learning-based classification.pptx
+++ b/PPT/Deep learning-based classification.pptx
@@ -6,10 +6,10 @@
     <p:sldMasterId id="2147483664" r:id="rId2"/>
   </p:sldMasterIdLst>
   <p:notesMasterIdLst>
-    <p:notesMasterId r:id="rId11"/>
+    <p:notesMasterId r:id="rId10"/>
   </p:notesMasterIdLst>
   <p:handoutMasterIdLst>
-    <p:handoutMasterId r:id="rId12"/>
+    <p:handoutMasterId r:id="rId11"/>
   </p:handoutMasterIdLst>
   <p:sldIdLst>
     <p:sldId id="821" r:id="rId3"/>
@@ -17,9 +17,8 @@
     <p:sldId id="928" r:id="rId5"/>
     <p:sldId id="929" r:id="rId6"/>
     <p:sldId id="931" r:id="rId7"/>
-    <p:sldId id="932" r:id="rId8"/>
-    <p:sldId id="930" r:id="rId9"/>
-    <p:sldId id="778" r:id="rId10"/>
+    <p:sldId id="933" r:id="rId8"/>
+    <p:sldId id="778" r:id="rId9"/>
   </p:sldIdLst>
   <p:sldSz cx="9144000" cy="6858000" type="overhead"/>
   <p:notesSz cx="6858000" cy="9144000"/>
@@ -1569,10 +1568,88 @@
               <a:t>Histo</a:t>
             </a:r>
             <a:r>
-              <a:rPr lang="zh-CN" altLang="en-US"/>
-              <a:t>仅依据组织学分型预测</a:t>
-            </a:r>
-            <a:endParaRPr lang="zh-CN" altLang="en-US" dirty="0"/>
+              <a:rPr lang="zh-CN" altLang="en-US" dirty="0"/>
+              <a:t>仅依据组织学分型预测，</a:t>
+            </a:r>
+            <a:r>
+              <a:rPr lang="en-US" altLang="zh-CN" dirty="0" err="1"/>
+              <a:t>Histo</a:t>
+            </a:r>
+            <a:r>
+              <a:rPr lang="en-US" altLang="zh-CN" dirty="0"/>
+              <a:t>/Grade</a:t>
+            </a:r>
+            <a:r>
+              <a:rPr lang="zh-CN" altLang="en-US" dirty="0"/>
+              <a:t>使用</a:t>
+            </a:r>
+            <a:r>
+              <a:rPr lang="en-US" altLang="zh-CN" dirty="0" err="1"/>
+              <a:t>XGBoost</a:t>
+            </a:r>
+            <a:r>
+              <a:rPr lang="zh-CN" altLang="en-US" dirty="0"/>
+              <a:t>模型训练每个患者</a:t>
+            </a:r>
+            <a:r>
+              <a:rPr lang="en-US" altLang="zh-CN" dirty="0"/>
+              <a:t>6</a:t>
+            </a:r>
+            <a:r>
+              <a:rPr lang="zh-CN" altLang="en-US" dirty="0"/>
+              <a:t>种特征（</a:t>
+            </a:r>
+            <a:r>
+              <a:rPr lang="en-US" altLang="zh-CN" dirty="0"/>
+              <a:t>MM</a:t>
+            </a:r>
+            <a:r>
+              <a:rPr lang="zh-CN" altLang="en-US" dirty="0"/>
+              <a:t>类型和分级），</a:t>
+            </a:r>
+            <a:r>
+              <a:rPr lang="en-US" altLang="zh-CN" dirty="0" err="1"/>
+              <a:t>MeanPool</a:t>
+            </a:r>
+            <a:r>
+              <a:rPr lang="zh-CN" altLang="en-US" dirty="0"/>
+              <a:t>则是使用和</a:t>
+            </a:r>
+            <a:r>
+              <a:rPr lang="en-US" altLang="zh-CN" dirty="0" err="1"/>
+              <a:t>MesoNet</a:t>
+            </a:r>
+            <a:r>
+              <a:rPr lang="zh-CN" altLang="en-US" dirty="0"/>
+              <a:t>相同的前三个步骤，但是不排序和选择</a:t>
+            </a:r>
+            <a:r>
+              <a:rPr lang="en-US" altLang="zh-CN" dirty="0"/>
+              <a:t>tiles</a:t>
+            </a:r>
+            <a:r>
+              <a:rPr lang="zh-CN" altLang="en-US" dirty="0"/>
+              <a:t>，仅使用简单的平均聚合获得</a:t>
+            </a:r>
+            <a:r>
+              <a:rPr lang="en-US" altLang="zh-CN" dirty="0"/>
+              <a:t>512</a:t>
+            </a:r>
+            <a:r>
+              <a:rPr lang="zh-CN" altLang="en-US" dirty="0"/>
+              <a:t>个特征，然后线性回归预测生存期</a:t>
+            </a:r>
+            <a:endParaRPr lang="en-US" altLang="zh-CN" dirty="0"/>
+          </a:p>
+          <a:p>
+            <a:r>
+              <a:rPr lang="en-US" altLang="zh-CN" dirty="0"/>
+              <a:t>B</a:t>
+            </a:r>
+            <a:r>
+              <a:rPr lang="zh-CN" altLang="en-US" dirty="0"/>
+              <a:t>图为预测最差的</a:t>
+            </a:r>
           </a:p>
         </p:txBody>
       </p:sp>
@@ -1698,7 +1775,7 @@
     </p:spTree>
     <p:extLst>
       <p:ext uri="{BB962C8B-B14F-4D97-AF65-F5344CB8AC3E}">
-        <p14:creationId xmlns:p14="http://schemas.microsoft.com/office/powerpoint/2010/main" val="3915666509"/>
+        <p14:creationId xmlns:p14="http://schemas.microsoft.com/office/powerpoint/2010/main" val="586701715"/>
       </p:ext>
     </p:extLst>
   </p:cSld>
@@ -1727,7 +1804,7 @@
       </p:grpSpPr>
       <p:sp>
         <p:nvSpPr>
-          <p:cNvPr id="2" name="幻灯片图像占位符 1"/>
+          <p:cNvPr id="2" name="Slide Image Placeholder 1"/>
           <p:cNvSpPr>
             <a:spLocks noGrp="1" noRot="1" noChangeAspect="1"/>
           </p:cNvSpPr>
@@ -1739,7 +1816,7 @@
       </p:sp>
       <p:sp>
         <p:nvSpPr>
-          <p:cNvPr id="3" name="备注占位符 2"/>
+          <p:cNvPr id="3" name="Notes Placeholder 2"/>
           <p:cNvSpPr>
             <a:spLocks noGrp="1"/>
           </p:cNvSpPr>
@@ -1752,18 +1829,18 @@
           <a:bodyPr/>
           <a:lstStyle/>
           <a:p>
-            <a:endParaRPr lang="zh-CN" altLang="en-US" dirty="0"/>
+            <a:endParaRPr lang="en-US" dirty="0"/>
           </a:p>
         </p:txBody>
       </p:sp>
       <p:sp>
         <p:nvSpPr>
-          <p:cNvPr id="4" name="灯片编号占位符 3"/>
+          <p:cNvPr id="4" name="Slide Number Placeholder 3"/>
           <p:cNvSpPr>
             <a:spLocks noGrp="1"/>
           </p:cNvSpPr>
           <p:nvPr>
-            <p:ph type="sldNum" sz="quarter" idx="5"/>
+            <p:ph type="sldNum" sz="quarter" idx="10"/>
           </p:nvPr>
         </p:nvSpPr>
         <p:spPr/>
@@ -1780,96 +1857,6 @@
                 <a:defRPr/>
               </a:pPr>
               <a:t>7</a:t>
-            </a:fld>
-            <a:endParaRPr lang="en-US" altLang="zh-CN"/>
-          </a:p>
-        </p:txBody>
-      </p:sp>
-    </p:spTree>
-    <p:extLst>
-      <p:ext uri="{BB962C8B-B14F-4D97-AF65-F5344CB8AC3E}">
-        <p14:creationId xmlns:p14="http://schemas.microsoft.com/office/powerpoint/2010/main" val="315912869"/>
-      </p:ext>
-    </p:extLst>
-  </p:cSld>
-  <p:clrMapOvr>
-    <a:masterClrMapping/>
-  </p:clrMapOvr>
-</p:notes>
-</file>
-
-<file path=ppt/notesSlides/notesSlide8.xml><?xml version="1.0" encoding="utf-8"?>
-<p:notes xmlns:a="http://schemas.openxmlformats.org/drawingml/2006/main" xmlns:r="http://schemas.openxmlformats.org/officeDocument/2006/relationships" xmlns:p="http://schemas.openxmlformats.org/presentationml/2006/main">
-  <p:cSld>
-    <p:spTree>
-      <p:nvGrpSpPr>
-        <p:cNvPr id="1" name=""/>
-        <p:cNvGrpSpPr/>
-        <p:nvPr/>
-      </p:nvGrpSpPr>
-      <p:grpSpPr>
-        <a:xfrm>
-          <a:off x="0" y="0"/>
-          <a:ext cx="0" cy="0"/>
-          <a:chOff x="0" y="0"/>
-          <a:chExt cx="0" cy="0"/>
-        </a:xfrm>
-      </p:grpSpPr>
-      <p:sp>
-        <p:nvSpPr>
-          <p:cNvPr id="2" name="Slide Image Placeholder 1"/>
-          <p:cNvSpPr>
-            <a:spLocks noGrp="1" noRot="1" noChangeAspect="1"/>
-          </p:cNvSpPr>
-          <p:nvPr>
-            <p:ph type="sldImg"/>
-          </p:nvPr>
-        </p:nvSpPr>
-        <p:spPr/>
-      </p:sp>
-      <p:sp>
-        <p:nvSpPr>
-          <p:cNvPr id="3" name="Notes Placeholder 2"/>
-          <p:cNvSpPr>
-            <a:spLocks noGrp="1"/>
-          </p:cNvSpPr>
-          <p:nvPr>
-            <p:ph type="body" idx="1"/>
-          </p:nvPr>
-        </p:nvSpPr>
-        <p:spPr/>
-        <p:txBody>
-          <a:bodyPr/>
-          <a:lstStyle/>
-          <a:p>
-            <a:endParaRPr lang="en-US" dirty="0"/>
-          </a:p>
-        </p:txBody>
-      </p:sp>
-      <p:sp>
-        <p:nvSpPr>
-          <p:cNvPr id="4" name="Slide Number Placeholder 3"/>
-          <p:cNvSpPr>
-            <a:spLocks noGrp="1"/>
-          </p:cNvSpPr>
-          <p:nvPr>
-            <p:ph type="sldNum" sz="quarter" idx="10"/>
-          </p:nvPr>
-        </p:nvSpPr>
-        <p:spPr/>
-        <p:txBody>
-          <a:bodyPr/>
-          <a:lstStyle/>
-          <a:p>
-            <a:pPr>
-              <a:defRPr/>
-            </a:pPr>
-            <a:fld id="{0DC11F4D-F564-447C-A7A1-7DFCF35D6511}" type="slidenum">
-              <a:rPr lang="zh-CN" altLang="en-US" smtClean="0"/>
-              <a:pPr>
-                <a:defRPr/>
-              </a:pPr>
-              <a:t>8</a:t>
             </a:fld>
             <a:endParaRPr lang="en-US" altLang="zh-CN"/>
           </a:p>
@@ -9969,8 +9956,8 @@
         </p:blipFill>
         <p:spPr>
           <a:xfrm>
-            <a:off x="602686" y="851645"/>
-            <a:ext cx="7938628" cy="4063822"/>
+            <a:off x="895155" y="836712"/>
+            <a:ext cx="7353690" cy="3764389"/>
           </a:xfrm>
           <a:prstGeom prst="rect">
             <a:avLst/>
@@ -9999,8 +9986,8 @@
         </p:blipFill>
         <p:spPr>
           <a:xfrm>
-            <a:off x="196416" y="4915467"/>
-            <a:ext cx="8751168" cy="1785663"/>
+            <a:off x="0" y="4807625"/>
+            <a:ext cx="9122717" cy="1861477"/>
           </a:xfrm>
           <a:prstGeom prst="rect">
             <a:avLst/>
@@ -10080,10 +10067,40 @@
           </a:p>
         </p:txBody>
       </p:sp>
+      <p:pic>
+        <p:nvPicPr>
+          <p:cNvPr id="3" name="图片 2">
+            <a:extLst>
+              <a:ext uri="{FF2B5EF4-FFF2-40B4-BE49-F238E27FC236}">
+                <a16:creationId xmlns:a16="http://schemas.microsoft.com/office/drawing/2014/main" id="{5BFE6750-717B-4B96-8A17-0AD256585F7F}"/>
+              </a:ext>
+            </a:extLst>
+          </p:cNvPr>
+          <p:cNvPicPr>
+            <a:picLocks noChangeAspect="1"/>
+          </p:cNvPicPr>
+          <p:nvPr/>
+        </p:nvPicPr>
+        <p:blipFill>
+          <a:blip r:embed="rId3"/>
+          <a:stretch>
+            <a:fillRect/>
+          </a:stretch>
+        </p:blipFill>
+        <p:spPr>
+          <a:xfrm>
+            <a:off x="197768" y="1052736"/>
+            <a:ext cx="8748464" cy="4943958"/>
+          </a:xfrm>
+          <a:prstGeom prst="rect">
+            <a:avLst/>
+          </a:prstGeom>
+        </p:spPr>
+      </p:pic>
     </p:spTree>
     <p:extLst>
       <p:ext uri="{BB962C8B-B14F-4D97-AF65-F5344CB8AC3E}">
-        <p14:creationId xmlns:p14="http://schemas.microsoft.com/office/powerpoint/2010/main" val="2731099801"/>
+        <p14:creationId xmlns:p14="http://schemas.microsoft.com/office/powerpoint/2010/main" val="501914057"/>
       </p:ext>
     </p:extLst>
   </p:cSld>
@@ -10095,79 +10112,6 @@
 </file>
 
 <file path=ppt/slides/slide7.xml><?xml version="1.0" encoding="utf-8"?>
-<p:sld xmlns:a="http://schemas.openxmlformats.org/drawingml/2006/main" xmlns:r="http://schemas.openxmlformats.org/officeDocument/2006/relationships" xmlns:p="http://schemas.openxmlformats.org/presentationml/2006/main">
-  <p:cSld>
-    <p:spTree>
-      <p:nvGrpSpPr>
-        <p:cNvPr id="1" name=""/>
-        <p:cNvGrpSpPr/>
-        <p:nvPr/>
-      </p:nvGrpSpPr>
-      <p:grpSpPr>
-        <a:xfrm>
-          <a:off x="0" y="0"/>
-          <a:ext cx="0" cy="0"/>
-          <a:chOff x="0" y="0"/>
-          <a:chExt cx="0" cy="0"/>
-        </a:xfrm>
-      </p:grpSpPr>
-      <p:sp>
-        <p:nvSpPr>
-          <p:cNvPr id="131" name="矩形 130">
-            <a:extLst>
-              <a:ext uri="{FF2B5EF4-FFF2-40B4-BE49-F238E27FC236}">
-                <a16:creationId xmlns:a16="http://schemas.microsoft.com/office/drawing/2014/main" id="{72D2EBED-1E08-45B7-92E4-33E894808B41}"/>
-              </a:ext>
-            </a:extLst>
-          </p:cNvPr>
-          <p:cNvSpPr/>
-          <p:nvPr/>
-        </p:nvSpPr>
-        <p:spPr>
-          <a:xfrm>
-            <a:off x="2843808" y="46365"/>
-            <a:ext cx="6297488" cy="583565"/>
-          </a:xfrm>
-          <a:prstGeom prst="rect">
-            <a:avLst/>
-          </a:prstGeom>
-        </p:spPr>
-        <p:txBody>
-          <a:bodyPr wrap="square">
-            <a:spAutoFit/>
-          </a:bodyPr>
-          <a:lstStyle/>
-          <a:p>
-            <a:pPr algn="r"/>
-            <a:r>
-              <a:rPr lang="zh-CN" altLang="en-US" sz="3200" b="0" spc="600" dirty="0">
-                <a:solidFill>
-                  <a:schemeClr val="bg1"/>
-                </a:solidFill>
-                <a:latin typeface="黑体" panose="02010609060101010101" pitchFamily="49" charset="-122"/>
-                <a:ea typeface="黑体" panose="02010609060101010101" pitchFamily="49" charset="-122"/>
-                <a:cs typeface="Tahoma" panose="020B0604030504040204" pitchFamily="34" charset="0"/>
-              </a:rPr>
-              <a:t>未来工作</a:t>
-            </a:r>
-          </a:p>
-        </p:txBody>
-      </p:sp>
-    </p:spTree>
-    <p:extLst>
-      <p:ext uri="{BB962C8B-B14F-4D97-AF65-F5344CB8AC3E}">
-        <p14:creationId xmlns:p14="http://schemas.microsoft.com/office/powerpoint/2010/main" val="2262596135"/>
-      </p:ext>
-    </p:extLst>
-  </p:cSld>
-  <p:clrMapOvr>
-    <a:masterClrMapping/>
-  </p:clrMapOvr>
-  <p:transition advTm="42000"/>
-</p:sld>
-</file>
-
-<file path=ppt/slides/slide8.xml><?xml version="1.0" encoding="utf-8"?>
 <p:sld xmlns:a="http://schemas.openxmlformats.org/drawingml/2006/main" xmlns:r="http://schemas.openxmlformats.org/officeDocument/2006/relationships" xmlns:p="http://schemas.openxmlformats.org/presentationml/2006/main">
   <p:cSld>
     <p:spTree>
